--- a/example.pptx
+++ b/example.pptx
@@ -134,17 +134,17 @@
 
 <file path=ppt/commentAuthors.xml><?xml version="1.0" encoding="utf-8"?>
 <p:cmAuthorLst xmlns:a="http://schemas.openxmlformats.org/drawingml/2006/main" xmlns:r="http://schemas.openxmlformats.org/officeDocument/2006/relationships" xmlns:p="http://schemas.openxmlformats.org/presentationml/2006/main">
-  <p:cmAuthor id="1" name="Bonamy, Nicolas" initials="BN" lastIdx="2" clrIdx="0">
+  <p:cmAuthor id="1" name="Me" initials="ME" lastIdx="2" clrIdx="0">
     <p:extLst>
       <p:ext uri="{19B8F6BF-5375-455C-9EA6-DF929625EA0E}">
-        <p15:presenceInfo xmlns:p15="http://schemas.microsoft.com/office/powerpoint/2012/main" userId="S::nicolas.bonamy@capgemini.com::b554c7c8-1812-4fe6-8803-cc2d4507cdce" providerId="AD"/>
+        <p15:presenceInfo xmlns:p15="http://schemas.microsoft.com/office/powerpoint/2012/main" userId="S::me@me.com::b554c7c8-1812-4fe6-8803-cc2d4507cdce" providerId="AD"/>
       </p:ext>
     </p:extLst>
   </p:cmAuthor>
-  <p:cmAuthor id="2" name="Friedman, Jordan E" initials="FJE" lastIdx="1" clrIdx="1">
+  <p:cmAuthor id="2" name="Me" initials="ME" lastIdx="1" clrIdx="1">
     <p:extLst>
       <p:ext uri="{19B8F6BF-5375-455C-9EA6-DF929625EA0E}">
-        <p15:presenceInfo xmlns:p15="http://schemas.microsoft.com/office/powerpoint/2012/main" userId="S::jordan.friedman@capgemini.com::a64fcaec-275e-4a37-a4bf-e5bcd0f0d077" providerId="AD"/>
+        <p15:presenceInfo xmlns:p15="http://schemas.microsoft.com/office/powerpoint/2012/main" userId="S::me@me.com::a64fcaec-275e-4a37-a4bf-e5bcd0f0d077" providerId="AD"/>
       </p:ext>
     </p:extLst>
   </p:cmAuthor>

--- a/example.pptx
+++ b/example.pptx
@@ -141,7 +141,7 @@
       </p:ext>
     </p:extLst>
   </p:cmAuthor>
-  <p:cmAuthor id="2" name="Me" initials="ME" lastIdx="1" clrIdx="1">
+  <p:cmAuthor id="2" name="Unknown User1" initials="Unknown User1" lastIdx="1" clrIdx="1">
     <p:extLst>
       <p:ext uri="{19B8F6BF-5375-455C-9EA6-DF929625EA0E}">
         <p15:presenceInfo xmlns:p15="http://schemas.microsoft.com/office/powerpoint/2012/main" userId="S::me@me.com::a64fcaec-275e-4a37-a4bf-e5bcd0f0d077" providerId="AD"/>
@@ -7105,6 +7105,12 @@
 </file>
 
 <file path=customXml/item1.xml><?xml version="1.0" encoding="utf-8"?>
+<p:properties xmlns:p="http://schemas.microsoft.com/office/2006/metadata/properties" xmlns:xsi="http://www.w3.org/2001/XMLSchema-instance" xmlns:pc="http://schemas.microsoft.com/office/infopath/2007/PartnerControls">
+  <documentManagement/>
+</p:properties>
+</file>
+
+<file path=customXml/item2.xml><?xml version="1.0" encoding="utf-8"?>
 <ct:contentTypeSchema xmlns:ct="http://schemas.microsoft.com/office/2006/metadata/contentType" xmlns:ma="http://schemas.microsoft.com/office/2006/metadata/properties/metaAttributes" ct:_="" ma:_="" ma:contentTypeName="Document" ma:contentTypeID="0x010100F348AB3C9CB0494982B1626CE7BFFCBE" ma:contentTypeVersion="11" ma:contentTypeDescription="Create a new document." ma:contentTypeScope="" ma:versionID="2d3b30c0c31350c1cd4c3817faead4ec">
   <xsd:schema xmlns:xsd="http://www.w3.org/2001/XMLSchema" xmlns:xs="http://www.w3.org/2001/XMLSchema" xmlns:p="http://schemas.microsoft.com/office/2006/metadata/properties" xmlns:ns3="a61aa1ce-408a-4c6b-bec2-53e1e1dae83f" xmlns:ns4="b2fe26f1-4002-43b2-b134-26db980d8cbd" targetNamespace="http://schemas.microsoft.com/office/2006/metadata/properties" ma:root="true" ma:fieldsID="f39d9d97bfd791fedb73bc619706e6d6" ns3:_="" ns4:_="">
     <xsd:import namespace="a61aa1ce-408a-4c6b-bec2-53e1e1dae83f"/>
@@ -7313,12 +7319,6 @@
 </ct:contentTypeSchema>
 </file>
 
-<file path=customXml/item2.xml><?xml version="1.0" encoding="utf-8"?>
-<p:properties xmlns:p="http://schemas.microsoft.com/office/2006/metadata/properties" xmlns:xsi="http://www.w3.org/2001/XMLSchema-instance" xmlns:pc="http://schemas.microsoft.com/office/infopath/2007/PartnerControls">
-  <documentManagement/>
-</p:properties>
-</file>
-
 <file path=customXml/item3.xml><?xml version="1.0" encoding="utf-8"?>
 <?mso-contentType ?>
 <FormTemplates xmlns="http://schemas.microsoft.com/sharepoint/v3/contenttype/forms">
@@ -7329,6 +7329,23 @@
 </file>
 
 <file path=customXml/itemProps1.xml><?xml version="1.0" encoding="utf-8"?>
+<ds:datastoreItem xmlns:ds="http://schemas.openxmlformats.org/officeDocument/2006/customXml" ds:itemID="{7323EAC5-74CD-4111-848F-6D80A4948B10}">
+  <ds:schemaRefs>
+    <ds:schemaRef ds:uri="http://purl.org/dc/dcmitype/"/>
+    <ds:schemaRef ds:uri="http://schemas.microsoft.com/office/infopath/2007/PartnerControls"/>
+    <ds:schemaRef ds:uri="a61aa1ce-408a-4c6b-bec2-53e1e1dae83f"/>
+    <ds:schemaRef ds:uri="http://purl.org/dc/elements/1.1/"/>
+    <ds:schemaRef ds:uri="http://schemas.microsoft.com/office/2006/metadata/properties"/>
+    <ds:schemaRef ds:uri="http://schemas.microsoft.com/office/2006/documentManagement/types"/>
+    <ds:schemaRef ds:uri="http://purl.org/dc/terms/"/>
+    <ds:schemaRef ds:uri="http://schemas.openxmlformats.org/package/2006/metadata/core-properties"/>
+    <ds:schemaRef ds:uri="b2fe26f1-4002-43b2-b134-26db980d8cbd"/>
+    <ds:schemaRef ds:uri="http://www.w3.org/XML/1998/namespace"/>
+  </ds:schemaRefs>
+</ds:datastoreItem>
+</file>
+
+<file path=customXml/itemProps2.xml><?xml version="1.0" encoding="utf-8"?>
 <ds:datastoreItem xmlns:ds="http://schemas.openxmlformats.org/officeDocument/2006/customXml" ds:itemID="{808797CD-EFA2-4DF4-8A52-1912A0B1A9F0}">
   <ds:schemaRefs>
     <ds:schemaRef ds:uri="http://schemas.microsoft.com/office/2006/metadata/contentType"/>
@@ -7347,23 +7364,6 @@
 </ds:datastoreItem>
 </file>
 
-<file path=customXml/itemProps2.xml><?xml version="1.0" encoding="utf-8"?>
-<ds:datastoreItem xmlns:ds="http://schemas.openxmlformats.org/officeDocument/2006/customXml" ds:itemID="{7323EAC5-74CD-4111-848F-6D80A4948B10}">
-  <ds:schemaRefs>
-    <ds:schemaRef ds:uri="http://purl.org/dc/dcmitype/"/>
-    <ds:schemaRef ds:uri="http://schemas.microsoft.com/office/infopath/2007/PartnerControls"/>
-    <ds:schemaRef ds:uri="a61aa1ce-408a-4c6b-bec2-53e1e1dae83f"/>
-    <ds:schemaRef ds:uri="http://purl.org/dc/elements/1.1/"/>
-    <ds:schemaRef ds:uri="http://schemas.microsoft.com/office/2006/metadata/properties"/>
-    <ds:schemaRef ds:uri="http://schemas.microsoft.com/office/2006/documentManagement/types"/>
-    <ds:schemaRef ds:uri="http://purl.org/dc/terms/"/>
-    <ds:schemaRef ds:uri="http://schemas.openxmlformats.org/package/2006/metadata/core-properties"/>
-    <ds:schemaRef ds:uri="b2fe26f1-4002-43b2-b134-26db980d8cbd"/>
-    <ds:schemaRef ds:uri="http://www.w3.org/XML/1998/namespace"/>
-  </ds:schemaRefs>
-</ds:datastoreItem>
-</file>
-
 <file path=customXml/itemProps3.xml><?xml version="1.0" encoding="utf-8"?>
 <ds:datastoreItem xmlns:ds="http://schemas.openxmlformats.org/officeDocument/2006/customXml" ds:itemID="{E3895EAD-5A93-4D96-9436-8281ECF6B25F}">
   <ds:schemaRefs>
